--- a/Intro/Intro.pptx
+++ b/Intro/Intro.pptx
@@ -6,15 +6,17 @@
   </p:sldMasterIdLst>
   <p:sldIdLst>
     <p:sldId id="256" r:id="rId2"/>
-    <p:sldId id="262" r:id="rId3"/>
-    <p:sldId id="268" r:id="rId4"/>
-    <p:sldId id="269" r:id="rId5"/>
-    <p:sldId id="267" r:id="rId6"/>
-    <p:sldId id="265" r:id="rId7"/>
-    <p:sldId id="266" r:id="rId8"/>
-    <p:sldId id="263" r:id="rId9"/>
-    <p:sldId id="258" r:id="rId10"/>
-    <p:sldId id="261" r:id="rId11"/>
+    <p:sldId id="271" r:id="rId3"/>
+    <p:sldId id="262" r:id="rId4"/>
+    <p:sldId id="268" r:id="rId5"/>
+    <p:sldId id="269" r:id="rId6"/>
+    <p:sldId id="267" r:id="rId7"/>
+    <p:sldId id="265" r:id="rId8"/>
+    <p:sldId id="266" r:id="rId9"/>
+    <p:sldId id="263" r:id="rId10"/>
+    <p:sldId id="258" r:id="rId11"/>
+    <p:sldId id="261" r:id="rId12"/>
+    <p:sldId id="270" r:id="rId13"/>
   </p:sldIdLst>
   <p:sldSz cx="12192000" cy="6858000"/>
   <p:notesSz cx="6858000" cy="9144000"/>
@@ -5961,6 +5963,169 @@
       </p:grpSpPr>
       <p:sp>
         <p:nvSpPr>
+          <p:cNvPr id="3" name="Segnaposto contenuto 2">
+            <a:extLst>
+              <a:ext uri="{FF2B5EF4-FFF2-40B4-BE49-F238E27FC236}">
+                <a16:creationId xmlns:a16="http://schemas.microsoft.com/office/drawing/2014/main" id="{B605CDB8-C904-4423-86FF-4B2D7E3E8F1F}"/>
+              </a:ext>
+            </a:extLst>
+          </p:cNvPr>
+          <p:cNvSpPr>
+            <a:spLocks noGrp="1"/>
+          </p:cNvSpPr>
+          <p:nvPr>
+            <p:ph idx="1"/>
+          </p:nvPr>
+        </p:nvSpPr>
+        <p:spPr>
+          <a:xfrm>
+            <a:off x="677334" y="1277815"/>
+            <a:ext cx="8596668" cy="4763547"/>
+          </a:xfrm>
+        </p:spPr>
+        <p:txBody>
+          <a:bodyPr>
+            <a:normAutofit/>
+          </a:bodyPr>
+          <a:lstStyle/>
+          <a:p>
+            <a:pPr marL="0" indent="0">
+              <a:buNone/>
+            </a:pPr>
+            <a:endParaRPr lang="en-GB" sz="2400" dirty="0"/>
+          </a:p>
+          <a:p>
+            <a:pPr marL="0" indent="0">
+              <a:buNone/>
+            </a:pPr>
+            <a:r>
+              <a:rPr lang="en-GB" sz="2400" dirty="0"/>
+              <a:t>&lt;&lt; At a high level, </a:t>
+            </a:r>
+            <a:r>
+              <a:rPr lang="en-GB" sz="2400" b="1" dirty="0"/>
+              <a:t>data science</a:t>
+            </a:r>
+            <a:r>
+              <a:rPr lang="en-GB" sz="2400" dirty="0"/>
+              <a:t> is a set of fundamental principles that guide the extraction of knowledge from data. </a:t>
+            </a:r>
+          </a:p>
+          <a:p>
+            <a:pPr marL="0" indent="0">
+              <a:buNone/>
+            </a:pPr>
+            <a:r>
+              <a:rPr lang="en-GB" sz="2400" b="1" dirty="0"/>
+              <a:t>Data mining</a:t>
+            </a:r>
+            <a:r>
+              <a:rPr lang="en-GB" sz="2400" dirty="0"/>
+              <a:t> is the extraction of knowledge from data, via technologies that incorporate these principles. &gt;&gt;</a:t>
+            </a:r>
+          </a:p>
+          <a:p>
+            <a:endParaRPr lang="en-GB" dirty="0"/>
+          </a:p>
+          <a:p>
+            <a:pPr marL="0" indent="0">
+              <a:buNone/>
+            </a:pPr>
+            <a:endParaRPr lang="en-GB" i="1" dirty="0"/>
+          </a:p>
+          <a:p>
+            <a:pPr marL="0" indent="0">
+              <a:buNone/>
+            </a:pPr>
+            <a:endParaRPr lang="en-GB" i="1" dirty="0"/>
+          </a:p>
+          <a:p>
+            <a:pPr marL="0" indent="0">
+              <a:buNone/>
+            </a:pPr>
+            <a:endParaRPr lang="en-GB" i="1" dirty="0"/>
+          </a:p>
+          <a:p>
+            <a:pPr marL="0" indent="0">
+              <a:buNone/>
+            </a:pPr>
+            <a:r>
+              <a:rPr lang="en-GB" i="1" dirty="0"/>
+              <a:t>Provost, Foster; Fawcett, Tom. </a:t>
+            </a:r>
+            <a:r>
+              <a:rPr lang="en-GB" b="1" i="1" dirty="0"/>
+              <a:t>Data Science for Business</a:t>
+            </a:r>
+            <a:r>
+              <a:rPr lang="en-GB" i="1" dirty="0"/>
+              <a:t>, O'Reilly Media.</a:t>
+            </a:r>
+          </a:p>
+        </p:txBody>
+      </p:sp>
+      <p:pic>
+        <p:nvPicPr>
+          <p:cNvPr id="5" name="Immagine 4">
+            <a:extLst>
+              <a:ext uri="{FF2B5EF4-FFF2-40B4-BE49-F238E27FC236}">
+                <a16:creationId xmlns:a16="http://schemas.microsoft.com/office/drawing/2014/main" id="{CDE2F1CD-00B0-46F7-9CA4-9B44ECB8F81B}"/>
+              </a:ext>
+            </a:extLst>
+          </p:cNvPr>
+          <p:cNvPicPr>
+            <a:picLocks noChangeAspect="1"/>
+          </p:cNvPicPr>
+          <p:nvPr/>
+        </p:nvPicPr>
+        <p:blipFill>
+          <a:blip r:embed="rId2"/>
+          <a:stretch>
+            <a:fillRect/>
+          </a:stretch>
+        </p:blipFill>
+        <p:spPr>
+          <a:xfrm>
+            <a:off x="10011508" y="4055478"/>
+            <a:ext cx="1911040" cy="2529142"/>
+          </a:xfrm>
+          <a:prstGeom prst="rect">
+            <a:avLst/>
+          </a:prstGeom>
+        </p:spPr>
+      </p:pic>
+    </p:spTree>
+    <p:extLst>
+      <p:ext uri="{BB962C8B-B14F-4D97-AF65-F5344CB8AC3E}">
+        <p14:creationId xmlns:p14="http://schemas.microsoft.com/office/powerpoint/2010/main" val="3322041352"/>
+      </p:ext>
+    </p:extLst>
+  </p:cSld>
+  <p:clrMapOvr>
+    <a:masterClrMapping/>
+  </p:clrMapOvr>
+</p:sld>
+</file>
+
+<file path=ppt/slides/slide11.xml><?xml version="1.0" encoding="utf-8"?>
+<p:sld xmlns:a="http://schemas.openxmlformats.org/drawingml/2006/main" xmlns:r="http://schemas.openxmlformats.org/officeDocument/2006/relationships" xmlns:p="http://schemas.openxmlformats.org/presentationml/2006/main">
+  <p:cSld>
+    <p:spTree>
+      <p:nvGrpSpPr>
+        <p:cNvPr id="1" name=""/>
+        <p:cNvGrpSpPr/>
+        <p:nvPr/>
+      </p:nvGrpSpPr>
+      <p:grpSpPr>
+        <a:xfrm>
+          <a:off x="0" y="0"/>
+          <a:ext cx="0" cy="0"/>
+          <a:chOff x="0" y="0"/>
+          <a:chExt cx="0" cy="0"/>
+        </a:xfrm>
+      </p:grpSpPr>
+      <p:sp>
+        <p:nvSpPr>
           <p:cNvPr id="3" name="Content Placeholder 2">
             <a:extLst>
               <a:ext uri="{FF2B5EF4-FFF2-40B4-BE49-F238E27FC236}">
@@ -6101,7 +6266,175 @@
 </p:sld>
 </file>
 
+<file path=ppt/slides/slide12.xml><?xml version="1.0" encoding="utf-8"?>
+<p:sld xmlns:a="http://schemas.openxmlformats.org/drawingml/2006/main" xmlns:r="http://schemas.openxmlformats.org/officeDocument/2006/relationships" xmlns:p="http://schemas.openxmlformats.org/presentationml/2006/main">
+  <p:cSld>
+    <p:spTree>
+      <p:nvGrpSpPr>
+        <p:cNvPr id="1" name=""/>
+        <p:cNvGrpSpPr/>
+        <p:nvPr/>
+      </p:nvGrpSpPr>
+      <p:grpSpPr>
+        <a:xfrm>
+          <a:off x="0" y="0"/>
+          <a:ext cx="0" cy="0"/>
+          <a:chOff x="0" y="0"/>
+          <a:chExt cx="0" cy="0"/>
+        </a:xfrm>
+      </p:grpSpPr>
+    </p:spTree>
+    <p:extLst>
+      <p:ext uri="{BB962C8B-B14F-4D97-AF65-F5344CB8AC3E}">
+        <p14:creationId xmlns:p14="http://schemas.microsoft.com/office/powerpoint/2010/main" val="2111820940"/>
+      </p:ext>
+    </p:extLst>
+  </p:cSld>
+  <p:clrMapOvr>
+    <a:masterClrMapping/>
+  </p:clrMapOvr>
+</p:sld>
+</file>
+
 <file path=ppt/slides/slide2.xml><?xml version="1.0" encoding="utf-8"?>
+<p:sld xmlns:a="http://schemas.openxmlformats.org/drawingml/2006/main" xmlns:r="http://schemas.openxmlformats.org/officeDocument/2006/relationships" xmlns:p="http://schemas.openxmlformats.org/presentationml/2006/main">
+  <p:cSld>
+    <p:spTree>
+      <p:nvGrpSpPr>
+        <p:cNvPr id="1" name=""/>
+        <p:cNvGrpSpPr/>
+        <p:nvPr/>
+      </p:nvGrpSpPr>
+      <p:grpSpPr>
+        <a:xfrm>
+          <a:off x="0" y="0"/>
+          <a:ext cx="0" cy="0"/>
+          <a:chOff x="0" y="0"/>
+          <a:chExt cx="0" cy="0"/>
+        </a:xfrm>
+      </p:grpSpPr>
+      <p:grpSp>
+        <p:nvGrpSpPr>
+          <p:cNvPr id="4" name="Group 3">
+            <a:extLst>
+              <a:ext uri="{FF2B5EF4-FFF2-40B4-BE49-F238E27FC236}">
+                <a16:creationId xmlns:a16="http://schemas.microsoft.com/office/drawing/2014/main" id="{2C82ED29-DBD5-30A5-3F4D-3771C4AC3678}"/>
+              </a:ext>
+            </a:extLst>
+          </p:cNvPr>
+          <p:cNvGrpSpPr/>
+          <p:nvPr/>
+        </p:nvGrpSpPr>
+        <p:grpSpPr>
+          <a:xfrm>
+            <a:off x="478172" y="417037"/>
+            <a:ext cx="9446003" cy="6023926"/>
+            <a:chOff x="553673" y="365983"/>
+            <a:chExt cx="10361688" cy="5900594"/>
+          </a:xfrm>
+        </p:grpSpPr>
+        <p:pic>
+          <p:nvPicPr>
+            <p:cNvPr id="5" name="Picture 4">
+              <a:extLst>
+                <a:ext uri="{FF2B5EF4-FFF2-40B4-BE49-F238E27FC236}">
+                  <a16:creationId xmlns:a16="http://schemas.microsoft.com/office/drawing/2014/main" id="{E841B84C-D18B-D269-B6C5-3A7ED672EC40}"/>
+                </a:ext>
+              </a:extLst>
+            </p:cNvPr>
+            <p:cNvPicPr>
+              <a:picLocks noChangeAspect="1"/>
+            </p:cNvPicPr>
+            <p:nvPr/>
+          </p:nvPicPr>
+          <p:blipFill>
+            <a:blip r:embed="rId2"/>
+            <a:stretch>
+              <a:fillRect/>
+            </a:stretch>
+          </p:blipFill>
+          <p:spPr>
+            <a:xfrm>
+              <a:off x="553673" y="365983"/>
+              <a:ext cx="10361688" cy="5900594"/>
+            </a:xfrm>
+            <a:prstGeom prst="rect">
+              <a:avLst/>
+            </a:prstGeom>
+            <a:ln>
+              <a:solidFill>
+                <a:schemeClr val="tx1"/>
+              </a:solidFill>
+            </a:ln>
+          </p:spPr>
+        </p:pic>
+        <p:sp>
+          <p:nvSpPr>
+            <p:cNvPr id="6" name="Rectangle 5">
+              <a:extLst>
+                <a:ext uri="{FF2B5EF4-FFF2-40B4-BE49-F238E27FC236}">
+                  <a16:creationId xmlns:a16="http://schemas.microsoft.com/office/drawing/2014/main" id="{D7C6B3C4-4095-867D-79B0-84AD833F6635}"/>
+                </a:ext>
+              </a:extLst>
+            </p:cNvPr>
+            <p:cNvSpPr/>
+            <p:nvPr/>
+          </p:nvSpPr>
+          <p:spPr>
+            <a:xfrm>
+              <a:off x="3850547" y="864066"/>
+              <a:ext cx="1015068" cy="427839"/>
+            </a:xfrm>
+            <a:prstGeom prst="rect">
+              <a:avLst/>
+            </a:prstGeom>
+            <a:noFill/>
+            <a:ln w="38100">
+              <a:solidFill>
+                <a:srgbClr val="FF0000"/>
+              </a:solidFill>
+            </a:ln>
+          </p:spPr>
+          <p:style>
+            <a:lnRef idx="2">
+              <a:schemeClr val="accent1">
+                <a:shade val="50000"/>
+              </a:schemeClr>
+            </a:lnRef>
+            <a:fillRef idx="1">
+              <a:schemeClr val="accent1"/>
+            </a:fillRef>
+            <a:effectRef idx="0">
+              <a:schemeClr val="accent1"/>
+            </a:effectRef>
+            <a:fontRef idx="minor">
+              <a:schemeClr val="lt1"/>
+            </a:fontRef>
+          </p:style>
+          <p:txBody>
+            <a:bodyPr rtlCol="0" anchor="ctr"/>
+            <a:lstStyle/>
+            <a:p>
+              <a:pPr algn="ctr"/>
+              <a:endParaRPr lang="en-GB"/>
+            </a:p>
+          </p:txBody>
+        </p:sp>
+      </p:grpSp>
+    </p:spTree>
+    <p:extLst>
+      <p:ext uri="{BB962C8B-B14F-4D97-AF65-F5344CB8AC3E}">
+        <p14:creationId xmlns:p14="http://schemas.microsoft.com/office/powerpoint/2010/main" val="1723156636"/>
+      </p:ext>
+    </p:extLst>
+  </p:cSld>
+  <p:clrMapOvr>
+    <a:masterClrMapping/>
+  </p:clrMapOvr>
+</p:sld>
+</file>
+
+<file path=ppt/slides/slide3.xml><?xml version="1.0" encoding="utf-8"?>
 <p:sld xmlns:a="http://schemas.openxmlformats.org/drawingml/2006/main" xmlns:r="http://schemas.openxmlformats.org/officeDocument/2006/relationships" xmlns:p="http://schemas.openxmlformats.org/presentationml/2006/main">
   <p:cSld>
     <p:spTree>
@@ -6366,7 +6699,7 @@
             </a:r>
             <a:r>
               <a:rPr lang="it-IT" dirty="0"/>
-              <a:t> in data volume and </a:t>
+              <a:t> of data volume and </a:t>
             </a:r>
             <a:r>
               <a:rPr lang="it-IT" dirty="0" err="1"/>
@@ -6384,171 +6717,6 @@
     <p:extLst>
       <p:ext uri="{BB962C8B-B14F-4D97-AF65-F5344CB8AC3E}">
         <p14:creationId xmlns:p14="http://schemas.microsoft.com/office/powerpoint/2010/main" val="2610230776"/>
-      </p:ext>
-    </p:extLst>
-  </p:cSld>
-  <p:clrMapOvr>
-    <a:masterClrMapping/>
-  </p:clrMapOvr>
-</p:sld>
-</file>
-
-<file path=ppt/slides/slide3.xml><?xml version="1.0" encoding="utf-8"?>
-<p:sld xmlns:a="http://schemas.openxmlformats.org/drawingml/2006/main" xmlns:r="http://schemas.openxmlformats.org/officeDocument/2006/relationships" xmlns:p="http://schemas.openxmlformats.org/presentationml/2006/main">
-  <p:cSld>
-    <p:spTree>
-      <p:nvGrpSpPr>
-        <p:cNvPr id="1" name=""/>
-        <p:cNvGrpSpPr/>
-        <p:nvPr/>
-      </p:nvGrpSpPr>
-      <p:grpSpPr>
-        <a:xfrm>
-          <a:off x="0" y="0"/>
-          <a:ext cx="0" cy="0"/>
-          <a:chOff x="0" y="0"/>
-          <a:chExt cx="0" cy="0"/>
-        </a:xfrm>
-      </p:grpSpPr>
-      <p:sp>
-        <p:nvSpPr>
-          <p:cNvPr id="5" name="TextBox 4">
-            <a:extLst>
-              <a:ext uri="{FF2B5EF4-FFF2-40B4-BE49-F238E27FC236}">
-                <a16:creationId xmlns:a16="http://schemas.microsoft.com/office/drawing/2014/main" id="{A8D719BA-3097-25EB-54E3-4D0CDD47D38F}"/>
-              </a:ext>
-            </a:extLst>
-          </p:cNvPr>
-          <p:cNvSpPr txBox="1"/>
-          <p:nvPr/>
-        </p:nvSpPr>
-        <p:spPr>
-          <a:xfrm>
-            <a:off x="738231" y="1175718"/>
-            <a:ext cx="9227890" cy="3231654"/>
-          </a:xfrm>
-          <a:prstGeom prst="rect">
-            <a:avLst/>
-          </a:prstGeom>
-          <a:noFill/>
-        </p:spPr>
-        <p:txBody>
-          <a:bodyPr wrap="square">
-            <a:spAutoFit/>
-          </a:bodyPr>
-          <a:lstStyle/>
-          <a:p>
-            <a:pPr marL="0" indent="0">
-              <a:buNone/>
-            </a:pPr>
-            <a:r>
-              <a:rPr lang="en-GB" sz="2400" b="1" dirty="0">
-                <a:solidFill>
-                  <a:schemeClr val="tx1"/>
-                </a:solidFill>
-              </a:rPr>
-              <a:t>“The world’s most valuable resource is no longer oil, it’s data” </a:t>
-            </a:r>
-          </a:p>
-          <a:p>
-            <a:pPr marL="0" indent="0">
-              <a:buNone/>
-            </a:pPr>
-            <a:r>
-              <a:rPr lang="en-GB" dirty="0">
-                <a:solidFill>
-                  <a:schemeClr val="tx1"/>
-                </a:solidFill>
-              </a:rPr>
-              <a:t>(The Economist, 2017)</a:t>
-            </a:r>
-          </a:p>
-          <a:p>
-            <a:pPr marL="0" indent="0">
-              <a:buNone/>
-            </a:pPr>
-            <a:endParaRPr lang="en-GB" sz="2400" dirty="0">
-              <a:solidFill>
-                <a:schemeClr val="tx1"/>
-              </a:solidFill>
-            </a:endParaRPr>
-          </a:p>
-          <a:p>
-            <a:pPr marL="0" indent="0">
-              <a:buNone/>
-            </a:pPr>
-            <a:r>
-              <a:rPr lang="en-GB" sz="2400" b="1" dirty="0">
-                <a:solidFill>
-                  <a:schemeClr val="tx1"/>
-                </a:solidFill>
-              </a:rPr>
-              <a:t>“Data Scientist: The sexiest job of the 21st century” </a:t>
-            </a:r>
-          </a:p>
-          <a:p>
-            <a:pPr marL="0" indent="0">
-              <a:buNone/>
-            </a:pPr>
-            <a:r>
-              <a:rPr lang="en-GB" dirty="0">
-                <a:solidFill>
-                  <a:schemeClr val="tx1"/>
-                </a:solidFill>
-              </a:rPr>
-              <a:t>(Harvard Business Review, 2012)</a:t>
-            </a:r>
-            <a:endParaRPr lang="it-IT" dirty="0">
-              <a:solidFill>
-                <a:schemeClr val="tx1"/>
-              </a:solidFill>
-            </a:endParaRPr>
-          </a:p>
-          <a:p>
-            <a:pPr marL="0" indent="0">
-              <a:buNone/>
-            </a:pPr>
-            <a:r>
-              <a:rPr lang="it-IT" dirty="0">
-                <a:hlinkClick r:id="rId2"/>
-              </a:rPr>
-              <a:t>https://hbr.org/2012/10/data-scientist-the-sexiest-job-of-the-21st-century</a:t>
-            </a:r>
-            <a:endParaRPr lang="it-IT" dirty="0"/>
-          </a:p>
-          <a:p>
-            <a:pPr marL="0" indent="0">
-              <a:buNone/>
-            </a:pPr>
-            <a:endParaRPr lang="it-IT" dirty="0"/>
-          </a:p>
-          <a:p>
-            <a:pPr marL="0" indent="0">
-              <a:buNone/>
-            </a:pPr>
-            <a:endParaRPr lang="it-IT" dirty="0"/>
-          </a:p>
-          <a:p>
-            <a:pPr marL="0" indent="0">
-              <a:buNone/>
-            </a:pPr>
-            <a:r>
-              <a:rPr lang="it-IT" sz="2400" dirty="0"/>
-              <a:t>…</a:t>
-            </a:r>
-          </a:p>
-          <a:p>
-            <a:pPr marL="0" indent="0">
-              <a:buNone/>
-            </a:pPr>
-            <a:endParaRPr lang="it-IT" dirty="0"/>
-          </a:p>
-        </p:txBody>
-      </p:sp>
-    </p:spTree>
-    <p:extLst>
-      <p:ext uri="{BB962C8B-B14F-4D97-AF65-F5344CB8AC3E}">
-        <p14:creationId xmlns:p14="http://schemas.microsoft.com/office/powerpoint/2010/main" val="166232120"/>
       </p:ext>
     </p:extLst>
   </p:cSld>
@@ -6589,7 +6757,151 @@
         </p:nvSpPr>
         <p:spPr>
           <a:xfrm>
-            <a:off x="738231" y="1175718"/>
+            <a:off x="729842" y="361986"/>
+            <a:ext cx="9563450" cy="2308324"/>
+          </a:xfrm>
+          <a:prstGeom prst="rect">
+            <a:avLst/>
+          </a:prstGeom>
+          <a:noFill/>
+        </p:spPr>
+        <p:txBody>
+          <a:bodyPr wrap="square">
+            <a:spAutoFit/>
+          </a:bodyPr>
+          <a:lstStyle/>
+          <a:p>
+            <a:pPr marL="0" indent="0">
+              <a:buNone/>
+            </a:pPr>
+            <a:r>
+              <a:rPr lang="en-GB" sz="2400" b="1" dirty="0">
+                <a:solidFill>
+                  <a:schemeClr val="tx1"/>
+                </a:solidFill>
+              </a:rPr>
+              <a:t>“The world’s most valuable resource is no longer oil, it’s data” </a:t>
+            </a:r>
+          </a:p>
+          <a:p>
+            <a:pPr marL="0" indent="0">
+              <a:buNone/>
+            </a:pPr>
+            <a:r>
+              <a:rPr lang="en-GB" dirty="0">
+                <a:solidFill>
+                  <a:schemeClr val="tx1"/>
+                </a:solidFill>
+              </a:rPr>
+              <a:t>(The Economist, 2017)</a:t>
+            </a:r>
+          </a:p>
+          <a:p>
+            <a:pPr marL="0" indent="0">
+              <a:buNone/>
+            </a:pPr>
+            <a:endParaRPr lang="en-GB" sz="2400" dirty="0">
+              <a:solidFill>
+                <a:schemeClr val="tx1"/>
+              </a:solidFill>
+            </a:endParaRPr>
+          </a:p>
+          <a:p>
+            <a:pPr marL="0" indent="0">
+              <a:buNone/>
+            </a:pPr>
+            <a:r>
+              <a:rPr lang="en-GB" sz="2400" b="1" dirty="0">
+                <a:solidFill>
+                  <a:schemeClr val="tx1"/>
+                </a:solidFill>
+              </a:rPr>
+              <a:t>“Data Scientist: The sexiest job of the 21st century” </a:t>
+            </a:r>
+          </a:p>
+          <a:p>
+            <a:pPr marL="0" indent="0">
+              <a:buNone/>
+            </a:pPr>
+            <a:r>
+              <a:rPr lang="en-GB" dirty="0">
+                <a:solidFill>
+                  <a:schemeClr val="tx1"/>
+                </a:solidFill>
+              </a:rPr>
+              <a:t>(Harvard Business Review, 2012)</a:t>
+            </a:r>
+            <a:endParaRPr lang="it-IT" dirty="0">
+              <a:solidFill>
+                <a:schemeClr val="tx1"/>
+              </a:solidFill>
+            </a:endParaRPr>
+          </a:p>
+          <a:p>
+            <a:pPr marL="0" indent="0">
+              <a:buNone/>
+            </a:pPr>
+            <a:r>
+              <a:rPr lang="it-IT" dirty="0">
+                <a:hlinkClick r:id="rId2"/>
+              </a:rPr>
+              <a:t>https://hbr.org/2012/10/data-scientist-the-sexiest-job-of-the-21st-century</a:t>
+            </a:r>
+            <a:endParaRPr lang="it-IT" dirty="0"/>
+          </a:p>
+          <a:p>
+            <a:pPr marL="0" indent="0">
+              <a:buNone/>
+            </a:pPr>
+            <a:endParaRPr lang="it-IT" dirty="0"/>
+          </a:p>
+        </p:txBody>
+      </p:sp>
+    </p:spTree>
+    <p:extLst>
+      <p:ext uri="{BB962C8B-B14F-4D97-AF65-F5344CB8AC3E}">
+        <p14:creationId xmlns:p14="http://schemas.microsoft.com/office/powerpoint/2010/main" val="166232120"/>
+      </p:ext>
+    </p:extLst>
+  </p:cSld>
+  <p:clrMapOvr>
+    <a:masterClrMapping/>
+  </p:clrMapOvr>
+</p:sld>
+</file>
+
+<file path=ppt/slides/slide5.xml><?xml version="1.0" encoding="utf-8"?>
+<p:sld xmlns:a="http://schemas.openxmlformats.org/drawingml/2006/main" xmlns:r="http://schemas.openxmlformats.org/officeDocument/2006/relationships" xmlns:p="http://schemas.openxmlformats.org/presentationml/2006/main">
+  <p:cSld>
+    <p:spTree>
+      <p:nvGrpSpPr>
+        <p:cNvPr id="1" name=""/>
+        <p:cNvGrpSpPr/>
+        <p:nvPr/>
+      </p:nvGrpSpPr>
+      <p:grpSpPr>
+        <a:xfrm>
+          <a:off x="0" y="0"/>
+          <a:ext cx="0" cy="0"/>
+          <a:chOff x="0" y="0"/>
+          <a:chExt cx="0" cy="0"/>
+        </a:xfrm>
+      </p:grpSpPr>
+      <p:sp>
+        <p:nvSpPr>
+          <p:cNvPr id="5" name="TextBox 4">
+            <a:extLst>
+              <a:ext uri="{FF2B5EF4-FFF2-40B4-BE49-F238E27FC236}">
+                <a16:creationId xmlns:a16="http://schemas.microsoft.com/office/drawing/2014/main" id="{A8D719BA-3097-25EB-54E3-4D0CDD47D38F}"/>
+              </a:ext>
+            </a:extLst>
+          </p:cNvPr>
+          <p:cNvSpPr txBox="1"/>
+          <p:nvPr/>
+        </p:nvSpPr>
+        <p:spPr>
+          <a:xfrm>
+            <a:off x="729842" y="361985"/>
             <a:ext cx="9227890" cy="4431983"/>
           </a:xfrm>
           <a:prstGeom prst="rect">
@@ -6807,7 +7119,7 @@
 </p:sld>
 </file>
 
-<file path=ppt/slides/slide5.xml><?xml version="1.0" encoding="utf-8"?>
+<file path=ppt/slides/slide6.xml><?xml version="1.0" encoding="utf-8"?>
 <p:sld xmlns:a="http://schemas.openxmlformats.org/drawingml/2006/main" xmlns:r="http://schemas.openxmlformats.org/officeDocument/2006/relationships" xmlns:p="http://schemas.openxmlformats.org/presentationml/2006/main">
   <p:cSld>
     <p:spTree>
@@ -6902,7 +7214,7 @@
 </p:sld>
 </file>
 
-<file path=ppt/slides/slide6.xml><?xml version="1.0" encoding="utf-8"?>
+<file path=ppt/slides/slide7.xml><?xml version="1.0" encoding="utf-8"?>
 <p:sld xmlns:a="http://schemas.openxmlformats.org/drawingml/2006/main" xmlns:r="http://schemas.openxmlformats.org/officeDocument/2006/relationships" xmlns:p="http://schemas.openxmlformats.org/presentationml/2006/main">
   <p:cSld>
     <p:spTree>
@@ -6997,7 +7309,7 @@
 </p:sld>
 </file>
 
-<file path=ppt/slides/slide7.xml><?xml version="1.0" encoding="utf-8"?>
+<file path=ppt/slides/slide8.xml><?xml version="1.0" encoding="utf-8"?>
 <p:sld xmlns:a="http://schemas.openxmlformats.org/drawingml/2006/main" xmlns:r="http://schemas.openxmlformats.org/officeDocument/2006/relationships" xmlns:p="http://schemas.openxmlformats.org/presentationml/2006/main">
   <p:cSld>
     <p:spTree>
@@ -7108,7 +7420,7 @@
 </p:sld>
 </file>
 
-<file path=ppt/slides/slide8.xml><?xml version="1.0" encoding="utf-8"?>
+<file path=ppt/slides/slide9.xml><?xml version="1.0" encoding="utf-8"?>
 <p:sld xmlns:a="http://schemas.openxmlformats.org/drawingml/2006/main" xmlns:r="http://schemas.openxmlformats.org/officeDocument/2006/relationships" xmlns:p="http://schemas.openxmlformats.org/presentationml/2006/main">
   <p:cSld>
     <p:spTree>
@@ -7165,169 +7477,6 @@
     <p:extLst>
       <p:ext uri="{BB962C8B-B14F-4D97-AF65-F5344CB8AC3E}">
         <p14:creationId xmlns:p14="http://schemas.microsoft.com/office/powerpoint/2010/main" val="3343452771"/>
-      </p:ext>
-    </p:extLst>
-  </p:cSld>
-  <p:clrMapOvr>
-    <a:masterClrMapping/>
-  </p:clrMapOvr>
-</p:sld>
-</file>
-
-<file path=ppt/slides/slide9.xml><?xml version="1.0" encoding="utf-8"?>
-<p:sld xmlns:a="http://schemas.openxmlformats.org/drawingml/2006/main" xmlns:r="http://schemas.openxmlformats.org/officeDocument/2006/relationships" xmlns:p="http://schemas.openxmlformats.org/presentationml/2006/main">
-  <p:cSld>
-    <p:spTree>
-      <p:nvGrpSpPr>
-        <p:cNvPr id="1" name=""/>
-        <p:cNvGrpSpPr/>
-        <p:nvPr/>
-      </p:nvGrpSpPr>
-      <p:grpSpPr>
-        <a:xfrm>
-          <a:off x="0" y="0"/>
-          <a:ext cx="0" cy="0"/>
-          <a:chOff x="0" y="0"/>
-          <a:chExt cx="0" cy="0"/>
-        </a:xfrm>
-      </p:grpSpPr>
-      <p:sp>
-        <p:nvSpPr>
-          <p:cNvPr id="3" name="Segnaposto contenuto 2">
-            <a:extLst>
-              <a:ext uri="{FF2B5EF4-FFF2-40B4-BE49-F238E27FC236}">
-                <a16:creationId xmlns:a16="http://schemas.microsoft.com/office/drawing/2014/main" id="{B605CDB8-C904-4423-86FF-4B2D7E3E8F1F}"/>
-              </a:ext>
-            </a:extLst>
-          </p:cNvPr>
-          <p:cNvSpPr>
-            <a:spLocks noGrp="1"/>
-          </p:cNvSpPr>
-          <p:nvPr>
-            <p:ph idx="1"/>
-          </p:nvPr>
-        </p:nvSpPr>
-        <p:spPr>
-          <a:xfrm>
-            <a:off x="677334" y="1277815"/>
-            <a:ext cx="8596668" cy="4763547"/>
-          </a:xfrm>
-        </p:spPr>
-        <p:txBody>
-          <a:bodyPr>
-            <a:normAutofit/>
-          </a:bodyPr>
-          <a:lstStyle/>
-          <a:p>
-            <a:pPr marL="0" indent="0">
-              <a:buNone/>
-            </a:pPr>
-            <a:endParaRPr lang="en-GB" sz="2400" dirty="0"/>
-          </a:p>
-          <a:p>
-            <a:pPr marL="0" indent="0">
-              <a:buNone/>
-            </a:pPr>
-            <a:r>
-              <a:rPr lang="en-GB" sz="2400" dirty="0"/>
-              <a:t>&lt;&lt; At a high level, </a:t>
-            </a:r>
-            <a:r>
-              <a:rPr lang="en-GB" sz="2400" b="1" dirty="0"/>
-              <a:t>data science</a:t>
-            </a:r>
-            <a:r>
-              <a:rPr lang="en-GB" sz="2400" dirty="0"/>
-              <a:t> is a set of fundamental principles that guide the extraction of knowledge from data. </a:t>
-            </a:r>
-          </a:p>
-          <a:p>
-            <a:pPr marL="0" indent="0">
-              <a:buNone/>
-            </a:pPr>
-            <a:r>
-              <a:rPr lang="en-GB" sz="2400" b="1" dirty="0"/>
-              <a:t>Data mining</a:t>
-            </a:r>
-            <a:r>
-              <a:rPr lang="en-GB" sz="2400" dirty="0"/>
-              <a:t> is the extraction of knowledge from data, via technologies that incorporate these principles. &gt;&gt;</a:t>
-            </a:r>
-          </a:p>
-          <a:p>
-            <a:endParaRPr lang="en-GB" dirty="0"/>
-          </a:p>
-          <a:p>
-            <a:pPr marL="0" indent="0">
-              <a:buNone/>
-            </a:pPr>
-            <a:endParaRPr lang="en-GB" i="1" dirty="0"/>
-          </a:p>
-          <a:p>
-            <a:pPr marL="0" indent="0">
-              <a:buNone/>
-            </a:pPr>
-            <a:endParaRPr lang="en-GB" i="1" dirty="0"/>
-          </a:p>
-          <a:p>
-            <a:pPr marL="0" indent="0">
-              <a:buNone/>
-            </a:pPr>
-            <a:endParaRPr lang="en-GB" i="1" dirty="0"/>
-          </a:p>
-          <a:p>
-            <a:pPr marL="0" indent="0">
-              <a:buNone/>
-            </a:pPr>
-            <a:r>
-              <a:rPr lang="en-GB" i="1" dirty="0"/>
-              <a:t>Provost, Foster; Fawcett, Tom. </a:t>
-            </a:r>
-            <a:r>
-              <a:rPr lang="en-GB" b="1" i="1" dirty="0"/>
-              <a:t>Data Science for Business</a:t>
-            </a:r>
-            <a:r>
-              <a:rPr lang="en-GB" i="1" dirty="0"/>
-              <a:t>, O'Reilly Media.</a:t>
-            </a:r>
-          </a:p>
-        </p:txBody>
-      </p:sp>
-      <p:pic>
-        <p:nvPicPr>
-          <p:cNvPr id="5" name="Immagine 4">
-            <a:extLst>
-              <a:ext uri="{FF2B5EF4-FFF2-40B4-BE49-F238E27FC236}">
-                <a16:creationId xmlns:a16="http://schemas.microsoft.com/office/drawing/2014/main" id="{CDE2F1CD-00B0-46F7-9CA4-9B44ECB8F81B}"/>
-              </a:ext>
-            </a:extLst>
-          </p:cNvPr>
-          <p:cNvPicPr>
-            <a:picLocks noChangeAspect="1"/>
-          </p:cNvPicPr>
-          <p:nvPr/>
-        </p:nvPicPr>
-        <p:blipFill>
-          <a:blip r:embed="rId2"/>
-          <a:stretch>
-            <a:fillRect/>
-          </a:stretch>
-        </p:blipFill>
-        <p:spPr>
-          <a:xfrm>
-            <a:off x="10011508" y="4055478"/>
-            <a:ext cx="1911040" cy="2529142"/>
-          </a:xfrm>
-          <a:prstGeom prst="rect">
-            <a:avLst/>
-          </a:prstGeom>
-        </p:spPr>
-      </p:pic>
-    </p:spTree>
-    <p:extLst>
-      <p:ext uri="{BB962C8B-B14F-4D97-AF65-F5344CB8AC3E}">
-        <p14:creationId xmlns:p14="http://schemas.microsoft.com/office/powerpoint/2010/main" val="3322041352"/>
       </p:ext>
     </p:extLst>
   </p:cSld>
